--- a/Presentation2.pptx
+++ b/Presentation2.pptx
@@ -9,6 +9,9 @@
     <p:sldId id="260" r:id="rId3"/>
     <p:sldId id="258" r:id="rId4"/>
     <p:sldId id="259" r:id="rId5"/>
+    <p:sldId id="261" r:id="rId6"/>
+    <p:sldId id="262" r:id="rId7"/>
+    <p:sldId id="263" r:id="rId8"/>
   </p:sldIdLst>
   <p:sldSz cx="12192000" cy="6858000"/>
   <p:notesSz cx="6858000" cy="9144000"/>
@@ -262,7 +265,7 @@
           <a:p>
             <a:fld id="{7A2570A8-1BF7-9B4D-AD1F-24847A322DAA}" type="datetimeFigureOut">
               <a:rPr lang="en-US" smtClean="0"/>
-              <a:t>6/3/22</a:t>
+              <a:t>6/20/22</a:t>
             </a:fld>
             <a:endParaRPr lang="en-US"/>
           </a:p>
@@ -460,7 +463,7 @@
           <a:p>
             <a:fld id="{7A2570A8-1BF7-9B4D-AD1F-24847A322DAA}" type="datetimeFigureOut">
               <a:rPr lang="en-US" smtClean="0"/>
-              <a:t>6/3/22</a:t>
+              <a:t>6/20/22</a:t>
             </a:fld>
             <a:endParaRPr lang="en-US"/>
           </a:p>
@@ -668,7 +671,7 @@
           <a:p>
             <a:fld id="{7A2570A8-1BF7-9B4D-AD1F-24847A322DAA}" type="datetimeFigureOut">
               <a:rPr lang="en-US" smtClean="0"/>
-              <a:t>6/3/22</a:t>
+              <a:t>6/20/22</a:t>
             </a:fld>
             <a:endParaRPr lang="en-US"/>
           </a:p>
@@ -866,7 +869,7 @@
           <a:p>
             <a:fld id="{7A2570A8-1BF7-9B4D-AD1F-24847A322DAA}" type="datetimeFigureOut">
               <a:rPr lang="en-US" smtClean="0"/>
-              <a:t>6/3/22</a:t>
+              <a:t>6/20/22</a:t>
             </a:fld>
             <a:endParaRPr lang="en-US"/>
           </a:p>
@@ -1141,7 +1144,7 @@
           <a:p>
             <a:fld id="{7A2570A8-1BF7-9B4D-AD1F-24847A322DAA}" type="datetimeFigureOut">
               <a:rPr lang="en-US" smtClean="0"/>
-              <a:t>6/3/22</a:t>
+              <a:t>6/20/22</a:t>
             </a:fld>
             <a:endParaRPr lang="en-US"/>
           </a:p>
@@ -1406,7 +1409,7 @@
           <a:p>
             <a:fld id="{7A2570A8-1BF7-9B4D-AD1F-24847A322DAA}" type="datetimeFigureOut">
               <a:rPr lang="en-US" smtClean="0"/>
-              <a:t>6/3/22</a:t>
+              <a:t>6/20/22</a:t>
             </a:fld>
             <a:endParaRPr lang="en-US"/>
           </a:p>
@@ -1818,7 +1821,7 @@
           <a:p>
             <a:fld id="{7A2570A8-1BF7-9B4D-AD1F-24847A322DAA}" type="datetimeFigureOut">
               <a:rPr lang="en-US" smtClean="0"/>
-              <a:t>6/3/22</a:t>
+              <a:t>6/20/22</a:t>
             </a:fld>
             <a:endParaRPr lang="en-US"/>
           </a:p>
@@ -1959,7 +1962,7 @@
           <a:p>
             <a:fld id="{7A2570A8-1BF7-9B4D-AD1F-24847A322DAA}" type="datetimeFigureOut">
               <a:rPr lang="en-US" smtClean="0"/>
-              <a:t>6/3/22</a:t>
+              <a:t>6/20/22</a:t>
             </a:fld>
             <a:endParaRPr lang="en-US"/>
           </a:p>
@@ -2072,7 +2075,7 @@
           <a:p>
             <a:fld id="{7A2570A8-1BF7-9B4D-AD1F-24847A322DAA}" type="datetimeFigureOut">
               <a:rPr lang="en-US" smtClean="0"/>
-              <a:t>6/3/22</a:t>
+              <a:t>6/20/22</a:t>
             </a:fld>
             <a:endParaRPr lang="en-US"/>
           </a:p>
@@ -2383,7 +2386,7 @@
           <a:p>
             <a:fld id="{7A2570A8-1BF7-9B4D-AD1F-24847A322DAA}" type="datetimeFigureOut">
               <a:rPr lang="en-US" smtClean="0"/>
-              <a:t>6/3/22</a:t>
+              <a:t>6/20/22</a:t>
             </a:fld>
             <a:endParaRPr lang="en-US"/>
           </a:p>
@@ -2671,7 +2674,7 @@
           <a:p>
             <a:fld id="{7A2570A8-1BF7-9B4D-AD1F-24847A322DAA}" type="datetimeFigureOut">
               <a:rPr lang="en-US" smtClean="0"/>
-              <a:t>6/3/22</a:t>
+              <a:t>6/20/22</a:t>
             </a:fld>
             <a:endParaRPr lang="en-US"/>
           </a:p>
@@ -2912,7 +2915,7 @@
           <a:p>
             <a:fld id="{7A2570A8-1BF7-9B4D-AD1F-24847A322DAA}" type="datetimeFigureOut">
               <a:rPr lang="en-US" smtClean="0"/>
-              <a:t>6/3/22</a:t>
+              <a:t>6/20/22</a:t>
             </a:fld>
             <a:endParaRPr lang="en-US"/>
           </a:p>
@@ -3464,77 +3467,90 @@
           <a:lstStyle/>
           <a:p>
             <a:r>
-              <a:rPr lang="en-US" sz="1700"/>
-              <a:t>1. A simple model to compare with Unet</a:t>
-            </a:r>
+              <a:rPr lang="en-US" sz="1700" dirty="0"/>
+              <a:t>1. A simple model to compare with </a:t>
+            </a:r>
+            <a:r>
+              <a:rPr lang="en-US" sz="1700" dirty="0" err="1"/>
+              <a:t>Unet</a:t>
+            </a:r>
+            <a:endParaRPr lang="en-US" sz="1700" dirty="0"/>
           </a:p>
           <a:p>
             <a:pPr lvl="1"/>
             <a:r>
-              <a:rPr lang="en-US" sz="1700"/>
+              <a:rPr lang="en-US" sz="1700" dirty="0"/>
               <a:t>Train a simple model using Zn</a:t>
             </a:r>
             <a:r>
-              <a:rPr lang="en-US" sz="1700" baseline="30000"/>
+              <a:rPr lang="en-US" sz="1700" baseline="30000" dirty="0"/>
               <a:t>2+ </a:t>
             </a:r>
             <a:r>
-              <a:rPr lang="en-US" sz="1700"/>
+              <a:rPr lang="en-US" sz="1700" dirty="0"/>
               <a:t>(large data, one atom)</a:t>
             </a:r>
           </a:p>
           <a:p>
             <a:pPr lvl="1"/>
             <a:r>
-              <a:rPr lang="en-US" sz="1700"/>
+              <a:rPr lang="en-US" sz="1700" dirty="0"/>
               <a:t>Several axial self-attention layers </a:t>
             </a:r>
           </a:p>
           <a:p>
             <a:pPr lvl="1"/>
             <a:r>
-              <a:rPr lang="en-US" sz="1700"/>
+              <a:rPr lang="en-US" sz="1700" dirty="0"/>
               <a:t>Heatmap and distribution for visualization</a:t>
             </a:r>
           </a:p>
           <a:p>
             <a:pPr lvl="1"/>
-            <a:endParaRPr lang="en-US" sz="1700"/>
-          </a:p>
-          <a:p>
-            <a:r>
-              <a:rPr lang="en-US" sz="1700"/>
-              <a:t>2. Swin transformer</a:t>
+            <a:endParaRPr lang="en-US" sz="1700" dirty="0"/>
+          </a:p>
+          <a:p>
+            <a:r>
+              <a:rPr lang="en-US" sz="1700" dirty="0"/>
+              <a:t>2. </a:t>
+            </a:r>
+            <a:r>
+              <a:rPr lang="en-US" sz="1700" dirty="0" err="1"/>
+              <a:t>Swin</a:t>
+            </a:r>
+            <a:r>
+              <a:rPr lang="en-US" sz="1700" dirty="0"/>
+              <a:t> transformer</a:t>
             </a:r>
           </a:p>
           <a:p>
             <a:pPr lvl="1"/>
             <a:r>
-              <a:rPr lang="en-US" sz="1700"/>
+              <a:rPr lang="en-US" sz="1700" dirty="0"/>
               <a:t>Hierarchical feature maps</a:t>
             </a:r>
           </a:p>
           <a:p>
             <a:pPr lvl="1"/>
             <a:r>
-              <a:rPr lang="en-US" sz="1700"/>
+              <a:rPr lang="en-US" sz="1700" dirty="0"/>
               <a:t>Shifted window allows cross-window connection</a:t>
             </a:r>
           </a:p>
           <a:p>
             <a:pPr lvl="1"/>
-            <a:endParaRPr lang="en-US" sz="1700"/>
-          </a:p>
-          <a:p>
-            <a:r>
-              <a:rPr lang="en-US" sz="1700"/>
+            <a:endParaRPr lang="en-US" sz="1700" dirty="0"/>
+          </a:p>
+          <a:p>
+            <a:r>
+              <a:rPr lang="en-US" sz="1700" dirty="0"/>
               <a:t>3. Imbalanced data</a:t>
             </a:r>
           </a:p>
           <a:p>
             <a:pPr lvl="1"/>
             <a:r>
-              <a:rPr lang="en-US" sz="1700"/>
+              <a:rPr lang="en-US" sz="1700" dirty="0"/>
               <a:t>Loss function</a:t>
             </a:r>
           </a:p>
@@ -4330,7 +4346,7 @@
         </p:blipFill>
         <p:spPr>
           <a:xfrm>
-            <a:off x="1406071" y="1708944"/>
+            <a:off x="838200" y="1708944"/>
             <a:ext cx="9575800" cy="4584700"/>
           </a:xfrm>
           <a:prstGeom prst="rect">
@@ -4342,6 +4358,1962 @@
     <p:extLst>
       <p:ext uri="{BB962C8B-B14F-4D97-AF65-F5344CB8AC3E}">
         <p14:creationId xmlns:p14="http://schemas.microsoft.com/office/powerpoint/2010/main" val="904008959"/>
+      </p:ext>
+    </p:extLst>
+  </p:cSld>
+  <p:clrMapOvr>
+    <a:masterClrMapping/>
+  </p:clrMapOvr>
+</p:sld>
+</file>
+
+<file path=ppt/slides/slide5.xml><?xml version="1.0" encoding="utf-8"?>
+<p:sld xmlns:a="http://schemas.openxmlformats.org/drawingml/2006/main" xmlns:r="http://schemas.openxmlformats.org/officeDocument/2006/relationships" xmlns:p="http://schemas.openxmlformats.org/presentationml/2006/main">
+  <p:cSld>
+    <p:spTree>
+      <p:nvGrpSpPr>
+        <p:cNvPr id="1" name=""/>
+        <p:cNvGrpSpPr/>
+        <p:nvPr/>
+      </p:nvGrpSpPr>
+      <p:grpSpPr>
+        <a:xfrm>
+          <a:off x="0" y="0"/>
+          <a:ext cx="0" cy="0"/>
+          <a:chOff x="0" y="0"/>
+          <a:chExt cx="0" cy="0"/>
+        </a:xfrm>
+      </p:grpSpPr>
+      <p:sp>
+        <p:nvSpPr>
+          <p:cNvPr id="2" name="Title 1">
+            <a:extLst>
+              <a:ext uri="{FF2B5EF4-FFF2-40B4-BE49-F238E27FC236}">
+                <a16:creationId xmlns:a16="http://schemas.microsoft.com/office/drawing/2014/main" id="{05A52F92-1FE1-2045-B3CC-53D853C82A54}"/>
+              </a:ext>
+            </a:extLst>
+          </p:cNvPr>
+          <p:cNvSpPr>
+            <a:spLocks noGrp="1"/>
+          </p:cNvSpPr>
+          <p:nvPr>
+            <p:ph type="title"/>
+          </p:nvPr>
+        </p:nvSpPr>
+        <p:spPr/>
+        <p:txBody>
+          <a:bodyPr/>
+          <a:lstStyle/>
+          <a:p>
+            <a:r>
+              <a:rPr lang="en-US" dirty="0"/>
+              <a:t>0617 Task done</a:t>
+            </a:r>
+          </a:p>
+        </p:txBody>
+      </p:sp>
+      <p:sp>
+        <p:nvSpPr>
+          <p:cNvPr id="3" name="Content Placeholder 2">
+            <a:extLst>
+              <a:ext uri="{FF2B5EF4-FFF2-40B4-BE49-F238E27FC236}">
+                <a16:creationId xmlns:a16="http://schemas.microsoft.com/office/drawing/2014/main" id="{DF783B5A-8629-1110-A351-58C982150AA3}"/>
+              </a:ext>
+            </a:extLst>
+          </p:cNvPr>
+          <p:cNvSpPr>
+            <a:spLocks noGrp="1"/>
+          </p:cNvSpPr>
+          <p:nvPr>
+            <p:ph idx="1"/>
+          </p:nvPr>
+        </p:nvSpPr>
+        <p:spPr>
+          <a:xfrm>
+            <a:off x="838199" y="1825625"/>
+            <a:ext cx="4131732" cy="4351338"/>
+          </a:xfrm>
+        </p:spPr>
+        <p:txBody>
+          <a:bodyPr/>
+          <a:lstStyle/>
+          <a:p>
+            <a:r>
+              <a:rPr lang="en-US" dirty="0"/>
+              <a:t>Data </a:t>
+            </a:r>
+          </a:p>
+          <a:p>
+            <a:pPr lvl="1"/>
+            <a:r>
+              <a:rPr lang="en-US" dirty="0"/>
+              <a:t>Split ligands into groups by their charge</a:t>
+            </a:r>
+          </a:p>
+          <a:p>
+            <a:pPr lvl="1"/>
+            <a:r>
+              <a:rPr lang="en-US" dirty="0"/>
+              <a:t>Padding</a:t>
+            </a:r>
+          </a:p>
+          <a:p>
+            <a:r>
+              <a:rPr lang="en-US" dirty="0"/>
+              <a:t>Model</a:t>
+            </a:r>
+          </a:p>
+          <a:p>
+            <a:pPr lvl="1"/>
+            <a:endParaRPr lang="en-US" dirty="0"/>
+          </a:p>
+        </p:txBody>
+      </p:sp>
+      <p:pic>
+        <p:nvPicPr>
+          <p:cNvPr id="5" name="Content Placeholder 4" descr="Chart&#10;&#10;Description automatically generated">
+            <a:extLst>
+              <a:ext uri="{FF2B5EF4-FFF2-40B4-BE49-F238E27FC236}">
+                <a16:creationId xmlns:a16="http://schemas.microsoft.com/office/drawing/2014/main" id="{BC71607A-2B1A-730B-3D7C-D4381666642A}"/>
+              </a:ext>
+            </a:extLst>
+          </p:cNvPr>
+          <p:cNvPicPr>
+            <a:picLocks noChangeAspect="1"/>
+          </p:cNvPicPr>
+          <p:nvPr/>
+        </p:nvPicPr>
+        <p:blipFill>
+          <a:blip r:embed="rId2"/>
+          <a:stretch>
+            <a:fillRect/>
+          </a:stretch>
+        </p:blipFill>
+        <p:spPr>
+          <a:xfrm>
+            <a:off x="5853451" y="4603514"/>
+            <a:ext cx="1629743" cy="1635158"/>
+          </a:xfrm>
+          <a:prstGeom prst="rect">
+            <a:avLst/>
+          </a:prstGeom>
+        </p:spPr>
+      </p:pic>
+      <p:pic>
+        <p:nvPicPr>
+          <p:cNvPr id="6" name="Picture 5" descr="A picture containing chart&#10;&#10;Description automatically generated">
+            <a:extLst>
+              <a:ext uri="{FF2B5EF4-FFF2-40B4-BE49-F238E27FC236}">
+                <a16:creationId xmlns:a16="http://schemas.microsoft.com/office/drawing/2014/main" id="{F4EB4BA6-3F45-FE1E-C914-938A51CFC5EA}"/>
+              </a:ext>
+            </a:extLst>
+          </p:cNvPr>
+          <p:cNvPicPr>
+            <a:picLocks noChangeAspect="1"/>
+          </p:cNvPicPr>
+          <p:nvPr/>
+        </p:nvPicPr>
+        <p:blipFill>
+          <a:blip r:embed="rId3"/>
+          <a:stretch>
+            <a:fillRect/>
+          </a:stretch>
+        </p:blipFill>
+        <p:spPr>
+          <a:xfrm>
+            <a:off x="8507249" y="4603514"/>
+            <a:ext cx="1629743" cy="1685176"/>
+          </a:xfrm>
+          <a:prstGeom prst="rect">
+            <a:avLst/>
+          </a:prstGeom>
+        </p:spPr>
+      </p:pic>
+      <p:cxnSp>
+        <p:nvCxnSpPr>
+          <p:cNvPr id="8" name="Straight Arrow Connector 7">
+            <a:extLst>
+              <a:ext uri="{FF2B5EF4-FFF2-40B4-BE49-F238E27FC236}">
+                <a16:creationId xmlns:a16="http://schemas.microsoft.com/office/drawing/2014/main" id="{0C849802-2AAD-8F55-78D7-E9728B603A73}"/>
+              </a:ext>
+            </a:extLst>
+          </p:cNvPr>
+          <p:cNvCxnSpPr/>
+          <p:nvPr/>
+        </p:nvCxnSpPr>
+        <p:spPr>
+          <a:xfrm>
+            <a:off x="7607370" y="5411969"/>
+            <a:ext cx="640080" cy="0"/>
+          </a:xfrm>
+          <a:prstGeom prst="straightConnector1">
+            <a:avLst/>
+          </a:prstGeom>
+          <a:ln w="79375">
+            <a:solidFill>
+              <a:schemeClr val="accent1"/>
+            </a:solidFill>
+            <a:tailEnd type="triangle"/>
+          </a:ln>
+        </p:spPr>
+        <p:style>
+          <a:lnRef idx="3">
+            <a:schemeClr val="accent1"/>
+          </a:lnRef>
+          <a:fillRef idx="0">
+            <a:schemeClr val="accent1"/>
+          </a:fillRef>
+          <a:effectRef idx="2">
+            <a:schemeClr val="accent1"/>
+          </a:effectRef>
+          <a:fontRef idx="minor">
+            <a:schemeClr val="tx1"/>
+          </a:fontRef>
+        </p:style>
+      </p:cxnSp>
+      <p:graphicFrame>
+        <p:nvGraphicFramePr>
+          <p:cNvPr id="9" name="Table 9">
+            <a:extLst>
+              <a:ext uri="{FF2B5EF4-FFF2-40B4-BE49-F238E27FC236}">
+                <a16:creationId xmlns:a16="http://schemas.microsoft.com/office/drawing/2014/main" id="{FF9D0FBD-4016-56F7-1F4F-63F757591B20}"/>
+              </a:ext>
+            </a:extLst>
+          </p:cNvPr>
+          <p:cNvGraphicFramePr>
+            <a:graphicFrameLocks noGrp="1"/>
+          </p:cNvGraphicFramePr>
+          <p:nvPr>
+            <p:extLst>
+              <p:ext uri="{D42A27DB-BD31-4B8C-83A1-F6EECF244321}">
+                <p14:modId xmlns:p14="http://schemas.microsoft.com/office/powerpoint/2010/main" val="86913110"/>
+              </p:ext>
+            </p:extLst>
+          </p:nvPr>
+        </p:nvGraphicFramePr>
+        <p:xfrm>
+          <a:off x="5820476" y="2408780"/>
+          <a:ext cx="4131732" cy="1854200"/>
+        </p:xfrm>
+        <a:graphic>
+          <a:graphicData uri="http://schemas.openxmlformats.org/drawingml/2006/table">
+            <a:tbl>
+              <a:tblPr firstRow="1" bandRow="1">
+                <a:tableStyleId>{5C22544A-7EE6-4342-B048-85BDC9FD1C3A}</a:tableStyleId>
+              </a:tblPr>
+              <a:tblGrid>
+                <a:gridCol w="1380836">
+                  <a:extLst>
+                    <a:ext uri="{9D8B030D-6E8A-4147-A177-3AD203B41FA5}">
+                      <a16:colId xmlns:a16="http://schemas.microsoft.com/office/drawing/2014/main" val="2183434330"/>
+                    </a:ext>
+                  </a:extLst>
+                </a:gridCol>
+                <a:gridCol w="1373652">
+                  <a:extLst>
+                    <a:ext uri="{9D8B030D-6E8A-4147-A177-3AD203B41FA5}">
+                      <a16:colId xmlns:a16="http://schemas.microsoft.com/office/drawing/2014/main" val="2336455378"/>
+                    </a:ext>
+                  </a:extLst>
+                </a:gridCol>
+                <a:gridCol w="1377244">
+                  <a:extLst>
+                    <a:ext uri="{9D8B030D-6E8A-4147-A177-3AD203B41FA5}">
+                      <a16:colId xmlns:a16="http://schemas.microsoft.com/office/drawing/2014/main" val="1305523116"/>
+                    </a:ext>
+                  </a:extLst>
+                </a:gridCol>
+              </a:tblGrid>
+              <a:tr h="370840">
+                <a:tc>
+                  <a:txBody>
+                    <a:bodyPr/>
+                    <a:lstStyle/>
+                    <a:p>
+                      <a:r>
+                        <a:rPr lang="en-US" dirty="0"/>
+                        <a:t>Charge</a:t>
+                      </a:r>
+                    </a:p>
+                  </a:txBody>
+                  <a:tcPr/>
+                </a:tc>
+                <a:tc>
+                  <a:txBody>
+                    <a:bodyPr/>
+                    <a:lstStyle/>
+                    <a:p>
+                      <a:r>
+                        <a:rPr lang="en-US" dirty="0"/>
+                        <a:t># kind</a:t>
+                      </a:r>
+                    </a:p>
+                  </a:txBody>
+                  <a:tcPr/>
+                </a:tc>
+                <a:tc>
+                  <a:txBody>
+                    <a:bodyPr/>
+                    <a:lstStyle/>
+                    <a:p>
+                      <a:r>
+                        <a:rPr lang="en-US" dirty="0"/>
+                        <a:t># sample</a:t>
+                      </a:r>
+                    </a:p>
+                  </a:txBody>
+                  <a:tcPr/>
+                </a:tc>
+                <a:extLst>
+                  <a:ext uri="{0D108BD9-81ED-4DB2-BD59-A6C34878D82A}">
+                    <a16:rowId xmlns:a16="http://schemas.microsoft.com/office/drawing/2014/main" val="412921616"/>
+                  </a:ext>
+                </a:extLst>
+              </a:tr>
+              <a:tr h="370840">
+                <a:tc>
+                  <a:txBody>
+                    <a:bodyPr/>
+                    <a:lstStyle/>
+                    <a:p>
+                      <a:r>
+                        <a:rPr lang="en-US" dirty="0"/>
+                        <a:t>Positive</a:t>
+                      </a:r>
+                    </a:p>
+                  </a:txBody>
+                  <a:tcPr/>
+                </a:tc>
+                <a:tc>
+                  <a:txBody>
+                    <a:bodyPr/>
+                    <a:lstStyle/>
+                    <a:p>
+                      <a:r>
+                        <a:rPr lang="en-US" dirty="0"/>
+                        <a:t>27</a:t>
+                      </a:r>
+                    </a:p>
+                  </a:txBody>
+                  <a:tcPr/>
+                </a:tc>
+                <a:tc>
+                  <a:txBody>
+                    <a:bodyPr/>
+                    <a:lstStyle/>
+                    <a:p>
+                      <a:r>
+                        <a:rPr lang="en-US" dirty="0"/>
+                        <a:t>38,826</a:t>
+                      </a:r>
+                    </a:p>
+                  </a:txBody>
+                  <a:tcPr/>
+                </a:tc>
+                <a:extLst>
+                  <a:ext uri="{0D108BD9-81ED-4DB2-BD59-A6C34878D82A}">
+                    <a16:rowId xmlns:a16="http://schemas.microsoft.com/office/drawing/2014/main" val="3575807302"/>
+                  </a:ext>
+                </a:extLst>
+              </a:tr>
+              <a:tr h="370840">
+                <a:tc>
+                  <a:txBody>
+                    <a:bodyPr/>
+                    <a:lstStyle/>
+                    <a:p>
+                      <a:r>
+                        <a:rPr lang="en-US" dirty="0"/>
+                        <a:t>Negative</a:t>
+                      </a:r>
+                    </a:p>
+                  </a:txBody>
+                  <a:tcPr/>
+                </a:tc>
+                <a:tc>
+                  <a:txBody>
+                    <a:bodyPr/>
+                    <a:lstStyle/>
+                    <a:p>
+                      <a:r>
+                        <a:rPr lang="en-US" dirty="0"/>
+                        <a:t>1</a:t>
+                      </a:r>
+                    </a:p>
+                  </a:txBody>
+                  <a:tcPr/>
+                </a:tc>
+                <a:tc>
+                  <a:txBody>
+                    <a:bodyPr/>
+                    <a:lstStyle/>
+                    <a:p>
+                      <a:r>
+                        <a:rPr lang="en-US" dirty="0"/>
+                        <a:t>7</a:t>
+                      </a:r>
+                    </a:p>
+                  </a:txBody>
+                  <a:tcPr/>
+                </a:tc>
+                <a:extLst>
+                  <a:ext uri="{0D108BD9-81ED-4DB2-BD59-A6C34878D82A}">
+                    <a16:rowId xmlns:a16="http://schemas.microsoft.com/office/drawing/2014/main" val="2459368057"/>
+                  </a:ext>
+                </a:extLst>
+              </a:tr>
+              <a:tr h="370840">
+                <a:tc>
+                  <a:txBody>
+                    <a:bodyPr/>
+                    <a:lstStyle/>
+                    <a:p>
+                      <a:r>
+                        <a:rPr lang="en-US" dirty="0"/>
+                        <a:t>Neutral</a:t>
+                      </a:r>
+                    </a:p>
+                  </a:txBody>
+                  <a:tcPr/>
+                </a:tc>
+                <a:tc>
+                  <a:txBody>
+                    <a:bodyPr/>
+                    <a:lstStyle/>
+                    <a:p>
+                      <a:r>
+                        <a:rPr lang="en-US" dirty="0"/>
+                        <a:t>116</a:t>
+                      </a:r>
+                    </a:p>
+                  </a:txBody>
+                  <a:tcPr/>
+                </a:tc>
+                <a:tc>
+                  <a:txBody>
+                    <a:bodyPr/>
+                    <a:lstStyle/>
+                    <a:p>
+                      <a:pPr marL="0" marR="0" lvl="0" indent="0" algn="l" defTabSz="914400" rtl="0" eaLnBrk="1" fontAlgn="auto" latinLnBrk="0" hangingPunct="1">
+                        <a:lnSpc>
+                          <a:spcPct val="100000"/>
+                        </a:lnSpc>
+                        <a:spcBef>
+                          <a:spcPts val="0"/>
+                        </a:spcBef>
+                        <a:spcAft>
+                          <a:spcPts val="0"/>
+                        </a:spcAft>
+                        <a:buClrTx/>
+                        <a:buSzTx/>
+                        <a:buFontTx/>
+                        <a:buNone/>
+                        <a:tabLst/>
+                        <a:defRPr/>
+                      </a:pPr>
+                      <a:r>
+                        <a:rPr lang="en-US" dirty="0"/>
+                        <a:t>17,863</a:t>
+                      </a:r>
+                    </a:p>
+                  </a:txBody>
+                  <a:tcPr/>
+                </a:tc>
+                <a:extLst>
+                  <a:ext uri="{0D108BD9-81ED-4DB2-BD59-A6C34878D82A}">
+                    <a16:rowId xmlns:a16="http://schemas.microsoft.com/office/drawing/2014/main" val="382082673"/>
+                  </a:ext>
+                </a:extLst>
+              </a:tr>
+              <a:tr h="370840">
+                <a:tc>
+                  <a:txBody>
+                    <a:bodyPr/>
+                    <a:lstStyle/>
+                    <a:p>
+                      <a:endParaRPr lang="en-US" dirty="0"/>
+                    </a:p>
+                  </a:txBody>
+                  <a:tcPr/>
+                </a:tc>
+                <a:tc>
+                  <a:txBody>
+                    <a:bodyPr/>
+                    <a:lstStyle/>
+                    <a:p>
+                      <a:r>
+                        <a:rPr lang="en-US" dirty="0"/>
+                        <a:t>144</a:t>
+                      </a:r>
+                    </a:p>
+                  </a:txBody>
+                  <a:tcPr/>
+                </a:tc>
+                <a:tc>
+                  <a:txBody>
+                    <a:bodyPr/>
+                    <a:lstStyle/>
+                    <a:p>
+                      <a:r>
+                        <a:rPr lang="en-US" dirty="0"/>
+                        <a:t>56,696</a:t>
+                      </a:r>
+                    </a:p>
+                  </a:txBody>
+                  <a:tcPr/>
+                </a:tc>
+                <a:extLst>
+                  <a:ext uri="{0D108BD9-81ED-4DB2-BD59-A6C34878D82A}">
+                    <a16:rowId xmlns:a16="http://schemas.microsoft.com/office/drawing/2014/main" val="1077765828"/>
+                  </a:ext>
+                </a:extLst>
+              </a:tr>
+            </a:tbl>
+          </a:graphicData>
+        </a:graphic>
+      </p:graphicFrame>
+      <p:sp>
+        <p:nvSpPr>
+          <p:cNvPr id="10" name="TextBox 9">
+            <a:extLst>
+              <a:ext uri="{FF2B5EF4-FFF2-40B4-BE49-F238E27FC236}">
+                <a16:creationId xmlns:a16="http://schemas.microsoft.com/office/drawing/2014/main" id="{83BD8E81-4624-F4C7-366F-CA2BF1764159}"/>
+              </a:ext>
+            </a:extLst>
+          </p:cNvPr>
+          <p:cNvSpPr txBox="1"/>
+          <p:nvPr/>
+        </p:nvSpPr>
+        <p:spPr>
+          <a:xfrm>
+            <a:off x="5820476" y="1947115"/>
+            <a:ext cx="1202509" cy="461665"/>
+          </a:xfrm>
+          <a:prstGeom prst="rect">
+            <a:avLst/>
+          </a:prstGeom>
+          <a:noFill/>
+        </p:spPr>
+        <p:txBody>
+          <a:bodyPr wrap="none" rtlCol="0">
+            <a:spAutoFit/>
+          </a:bodyPr>
+          <a:lstStyle/>
+          <a:p>
+            <a:r>
+              <a:rPr lang="en-US" sz="2400" b="1" dirty="0"/>
+              <a:t>Training</a:t>
+            </a:r>
+          </a:p>
+        </p:txBody>
+      </p:sp>
+    </p:spTree>
+    <p:extLst>
+      <p:ext uri="{BB962C8B-B14F-4D97-AF65-F5344CB8AC3E}">
+        <p14:creationId xmlns:p14="http://schemas.microsoft.com/office/powerpoint/2010/main" val="4049041983"/>
+      </p:ext>
+    </p:extLst>
+  </p:cSld>
+  <p:clrMapOvr>
+    <a:masterClrMapping/>
+  </p:clrMapOvr>
+</p:sld>
+</file>
+
+<file path=ppt/slides/slide6.xml><?xml version="1.0" encoding="utf-8"?>
+<p:sld xmlns:a="http://schemas.openxmlformats.org/drawingml/2006/main" xmlns:r="http://schemas.openxmlformats.org/officeDocument/2006/relationships" xmlns:p="http://schemas.openxmlformats.org/presentationml/2006/main">
+  <p:cSld>
+    <p:spTree>
+      <p:nvGrpSpPr>
+        <p:cNvPr id="1" name=""/>
+        <p:cNvGrpSpPr/>
+        <p:nvPr/>
+      </p:nvGrpSpPr>
+      <p:grpSpPr>
+        <a:xfrm>
+          <a:off x="0" y="0"/>
+          <a:ext cx="0" cy="0"/>
+          <a:chOff x="0" y="0"/>
+          <a:chExt cx="0" cy="0"/>
+        </a:xfrm>
+      </p:grpSpPr>
+      <p:sp>
+        <p:nvSpPr>
+          <p:cNvPr id="2" name="Title 1">
+            <a:extLst>
+              <a:ext uri="{FF2B5EF4-FFF2-40B4-BE49-F238E27FC236}">
+                <a16:creationId xmlns:a16="http://schemas.microsoft.com/office/drawing/2014/main" id="{AC0763CE-1A85-EC7E-CA3C-885D2CEA95A9}"/>
+              </a:ext>
+            </a:extLst>
+          </p:cNvPr>
+          <p:cNvSpPr>
+            <a:spLocks noGrp="1"/>
+          </p:cNvSpPr>
+          <p:nvPr>
+            <p:ph type="title"/>
+          </p:nvPr>
+        </p:nvSpPr>
+        <p:spPr/>
+        <p:txBody>
+          <a:bodyPr/>
+          <a:lstStyle/>
+          <a:p>
+            <a:r>
+              <a:rPr lang="en-US" dirty="0"/>
+              <a:t>0617 Comparison</a:t>
+            </a:r>
+          </a:p>
+        </p:txBody>
+      </p:sp>
+      <p:graphicFrame>
+        <p:nvGraphicFramePr>
+          <p:cNvPr id="4" name="Table 4">
+            <a:extLst>
+              <a:ext uri="{FF2B5EF4-FFF2-40B4-BE49-F238E27FC236}">
+                <a16:creationId xmlns:a16="http://schemas.microsoft.com/office/drawing/2014/main" id="{2457FECE-9AB5-4181-EEE7-23930C289B5F}"/>
+              </a:ext>
+            </a:extLst>
+          </p:cNvPr>
+          <p:cNvGraphicFramePr>
+            <a:graphicFrameLocks noGrp="1"/>
+          </p:cNvGraphicFramePr>
+          <p:nvPr>
+            <p:ph idx="1"/>
+            <p:extLst>
+              <p:ext uri="{D42A27DB-BD31-4B8C-83A1-F6EECF244321}">
+                <p14:modId xmlns:p14="http://schemas.microsoft.com/office/powerpoint/2010/main" val="2780188519"/>
+              </p:ext>
+            </p:extLst>
+          </p:nvPr>
+        </p:nvGraphicFramePr>
+        <p:xfrm>
+          <a:off x="838200" y="4139847"/>
+          <a:ext cx="11082865" cy="1381760"/>
+        </p:xfrm>
+        <a:graphic>
+          <a:graphicData uri="http://schemas.openxmlformats.org/drawingml/2006/table">
+            <a:tbl>
+              <a:tblPr firstRow="1" bandRow="1">
+                <a:tableStyleId>{5C22544A-7EE6-4342-B048-85BDC9FD1C3A}</a:tableStyleId>
+              </a:tblPr>
+              <a:tblGrid>
+                <a:gridCol w="2216573">
+                  <a:extLst>
+                    <a:ext uri="{9D8B030D-6E8A-4147-A177-3AD203B41FA5}">
+                      <a16:colId xmlns:a16="http://schemas.microsoft.com/office/drawing/2014/main" val="3248201663"/>
+                    </a:ext>
+                  </a:extLst>
+                </a:gridCol>
+                <a:gridCol w="2216573">
+                  <a:extLst>
+                    <a:ext uri="{9D8B030D-6E8A-4147-A177-3AD203B41FA5}">
+                      <a16:colId xmlns:a16="http://schemas.microsoft.com/office/drawing/2014/main" val="1154658447"/>
+                    </a:ext>
+                  </a:extLst>
+                </a:gridCol>
+                <a:gridCol w="2216573">
+                  <a:extLst>
+                    <a:ext uri="{9D8B030D-6E8A-4147-A177-3AD203B41FA5}">
+                      <a16:colId xmlns:a16="http://schemas.microsoft.com/office/drawing/2014/main" val="2108062987"/>
+                    </a:ext>
+                  </a:extLst>
+                </a:gridCol>
+                <a:gridCol w="2216573">
+                  <a:extLst>
+                    <a:ext uri="{9D8B030D-6E8A-4147-A177-3AD203B41FA5}">
+                      <a16:colId xmlns:a16="http://schemas.microsoft.com/office/drawing/2014/main" val="2963620336"/>
+                    </a:ext>
+                  </a:extLst>
+                </a:gridCol>
+                <a:gridCol w="2216573">
+                  <a:extLst>
+                    <a:ext uri="{9D8B030D-6E8A-4147-A177-3AD203B41FA5}">
+                      <a16:colId xmlns:a16="http://schemas.microsoft.com/office/drawing/2014/main" val="3502630500"/>
+                    </a:ext>
+                  </a:extLst>
+                </a:gridCol>
+              </a:tblGrid>
+              <a:tr h="370840">
+                <a:tc>
+                  <a:txBody>
+                    <a:bodyPr/>
+                    <a:lstStyle/>
+                    <a:p>
+                      <a:pPr algn="ctr"/>
+                      <a:r>
+                        <a:rPr lang="en-US" dirty="0"/>
+                        <a:t>Dataset</a:t>
+                      </a:r>
+                    </a:p>
+                  </a:txBody>
+                  <a:tcPr/>
+                </a:tc>
+                <a:tc>
+                  <a:txBody>
+                    <a:bodyPr/>
+                    <a:lstStyle/>
+                    <a:p>
+                      <a:pPr algn="ctr"/>
+                      <a:r>
+                        <a:rPr lang="en-US" dirty="0"/>
+                        <a:t>Starting position</a:t>
+                      </a:r>
+                    </a:p>
+                  </a:txBody>
+                  <a:tcPr/>
+                </a:tc>
+                <a:tc>
+                  <a:txBody>
+                    <a:bodyPr/>
+                    <a:lstStyle/>
+                    <a:p>
+                      <a:pPr algn="ctr"/>
+                      <a:r>
+                        <a:rPr lang="en-US" dirty="0"/>
+                        <a:t>Model</a:t>
+                      </a:r>
+                    </a:p>
+                  </a:txBody>
+                  <a:tcPr/>
+                </a:tc>
+                <a:tc>
+                  <a:txBody>
+                    <a:bodyPr/>
+                    <a:lstStyle/>
+                    <a:p>
+                      <a:pPr algn="ctr"/>
+                      <a:r>
+                        <a:rPr lang="en-US" dirty="0"/>
+                        <a:t>Test performance</a:t>
+                      </a:r>
+                    </a:p>
+                  </a:txBody>
+                  <a:tcPr/>
+                </a:tc>
+                <a:tc>
+                  <a:txBody>
+                    <a:bodyPr/>
+                    <a:lstStyle/>
+                    <a:p>
+                      <a:pPr algn="ctr"/>
+                      <a:r>
+                        <a:rPr lang="en-US" dirty="0"/>
+                        <a:t>Running time /epoch</a:t>
+                      </a:r>
+                    </a:p>
+                  </a:txBody>
+                  <a:tcPr/>
+                </a:tc>
+                <a:extLst>
+                  <a:ext uri="{0D108BD9-81ED-4DB2-BD59-A6C34878D82A}">
+                    <a16:rowId xmlns:a16="http://schemas.microsoft.com/office/drawing/2014/main" val="1978911363"/>
+                  </a:ext>
+                </a:extLst>
+              </a:tr>
+              <a:tr h="370840">
+                <a:tc>
+                  <a:txBody>
+                    <a:bodyPr/>
+                    <a:lstStyle/>
+                    <a:p>
+                      <a:pPr algn="ctr"/>
+                      <a:r>
+                        <a:rPr lang="en-US" dirty="0"/>
+                        <a:t>Positively charged </a:t>
+                      </a:r>
+                    </a:p>
+                  </a:txBody>
+                  <a:tcPr/>
+                </a:tc>
+                <a:tc>
+                  <a:txBody>
+                    <a:bodyPr/>
+                    <a:lstStyle/>
+                    <a:p>
+                      <a:pPr algn="ctr"/>
+                      <a:r>
+                        <a:rPr lang="en-US" dirty="0"/>
+                        <a:t>+</a:t>
+                      </a:r>
+                    </a:p>
+                  </a:txBody>
+                  <a:tcPr/>
+                </a:tc>
+                <a:tc>
+                  <a:txBody>
+                    <a:bodyPr/>
+                    <a:lstStyle/>
+                    <a:p>
+                      <a:pPr algn="ctr"/>
+                      <a:r>
+                        <a:rPr lang="en-US" dirty="0"/>
+                        <a:t>simple</a:t>
+                      </a:r>
+                    </a:p>
+                  </a:txBody>
+                  <a:tcPr/>
+                </a:tc>
+                <a:tc>
+                  <a:txBody>
+                    <a:bodyPr/>
+                    <a:lstStyle/>
+                    <a:p>
+                      <a:pPr algn="ctr"/>
+                      <a:endParaRPr lang="en-US" dirty="0"/>
+                    </a:p>
+                  </a:txBody>
+                  <a:tcPr/>
+                </a:tc>
+                <a:tc>
+                  <a:txBody>
+                    <a:bodyPr/>
+                    <a:lstStyle/>
+                    <a:p>
+                      <a:pPr algn="ctr"/>
+                      <a:r>
+                        <a:rPr lang="en-US" dirty="0"/>
+                        <a:t>~90min</a:t>
+                      </a:r>
+                    </a:p>
+                  </a:txBody>
+                  <a:tcPr/>
+                </a:tc>
+                <a:extLst>
+                  <a:ext uri="{0D108BD9-81ED-4DB2-BD59-A6C34878D82A}">
+                    <a16:rowId xmlns:a16="http://schemas.microsoft.com/office/drawing/2014/main" val="2947847553"/>
+                  </a:ext>
+                </a:extLst>
+              </a:tr>
+              <a:tr h="370840">
+                <a:tc>
+                  <a:txBody>
+                    <a:bodyPr/>
+                    <a:lstStyle/>
+                    <a:p>
+                      <a:pPr marL="0" marR="0" lvl="0" indent="0" algn="ctr" defTabSz="914400" rtl="0" eaLnBrk="1" fontAlgn="auto" latinLnBrk="0" hangingPunct="1">
+                        <a:lnSpc>
+                          <a:spcPct val="100000"/>
+                        </a:lnSpc>
+                        <a:spcBef>
+                          <a:spcPts val="0"/>
+                        </a:spcBef>
+                        <a:spcAft>
+                          <a:spcPts val="0"/>
+                        </a:spcAft>
+                        <a:buClrTx/>
+                        <a:buSzTx/>
+                        <a:buFontTx/>
+                        <a:buNone/>
+                        <a:tabLst/>
+                        <a:defRPr/>
+                      </a:pPr>
+                      <a:r>
+                        <a:rPr lang="en-US" dirty="0">
+                          <a:highlight>
+                            <a:srgbClr val="FFFF00"/>
+                          </a:highlight>
+                        </a:rPr>
+                        <a:t>Positively charged </a:t>
+                      </a:r>
+                    </a:p>
+                  </a:txBody>
+                  <a:tcPr/>
+                </a:tc>
+                <a:tc>
+                  <a:txBody>
+                    <a:bodyPr/>
+                    <a:lstStyle/>
+                    <a:p>
+                      <a:pPr algn="ctr"/>
+                      <a:r>
+                        <a:rPr lang="en-US" dirty="0">
+                          <a:highlight>
+                            <a:srgbClr val="FFFF00"/>
+                          </a:highlight>
+                        </a:rPr>
+                        <a:t>+</a:t>
+                      </a:r>
+                    </a:p>
+                  </a:txBody>
+                  <a:tcPr/>
+                </a:tc>
+                <a:tc>
+                  <a:txBody>
+                    <a:bodyPr/>
+                    <a:lstStyle/>
+                    <a:p>
+                      <a:pPr marL="0" marR="0" lvl="0" indent="0" algn="ctr" defTabSz="914400" rtl="0" eaLnBrk="1" fontAlgn="auto" latinLnBrk="0" hangingPunct="1">
+                        <a:lnSpc>
+                          <a:spcPct val="100000"/>
+                        </a:lnSpc>
+                        <a:spcBef>
+                          <a:spcPts val="0"/>
+                        </a:spcBef>
+                        <a:spcAft>
+                          <a:spcPts val="0"/>
+                        </a:spcAft>
+                        <a:buClrTx/>
+                        <a:buSzTx/>
+                        <a:buFontTx/>
+                        <a:buNone/>
+                        <a:tabLst/>
+                        <a:defRPr/>
+                      </a:pPr>
+                      <a:r>
+                        <a:rPr lang="en-US" dirty="0" err="1">
+                          <a:highlight>
+                            <a:srgbClr val="FFFF00"/>
+                          </a:highlight>
+                        </a:rPr>
+                        <a:t>simple_generator</a:t>
+                      </a:r>
+                      <a:endParaRPr lang="en-US" dirty="0">
+                        <a:highlight>
+                          <a:srgbClr val="FFFF00"/>
+                        </a:highlight>
+                      </a:endParaRPr>
+                    </a:p>
+                    <a:p>
+                      <a:pPr marL="0" marR="0" lvl="0" indent="0" algn="ctr" defTabSz="914400" rtl="0" eaLnBrk="1" fontAlgn="auto" latinLnBrk="0" hangingPunct="1">
+                        <a:lnSpc>
+                          <a:spcPct val="100000"/>
+                        </a:lnSpc>
+                        <a:spcBef>
+                          <a:spcPts val="0"/>
+                        </a:spcBef>
+                        <a:spcAft>
+                          <a:spcPts val="0"/>
+                        </a:spcAft>
+                        <a:buClrTx/>
+                        <a:buSzTx/>
+                        <a:buFontTx/>
+                        <a:buNone/>
+                        <a:tabLst/>
+                        <a:defRPr/>
+                      </a:pPr>
+                      <a:r>
+                        <a:rPr lang="en-US" dirty="0">
+                          <a:highlight>
+                            <a:srgbClr val="FFFF00"/>
+                          </a:highlight>
+                        </a:rPr>
+                        <a:t>(#G:268M)</a:t>
+                      </a:r>
+                    </a:p>
+                  </a:txBody>
+                  <a:tcPr/>
+                </a:tc>
+                <a:tc>
+                  <a:txBody>
+                    <a:bodyPr/>
+                    <a:lstStyle/>
+                    <a:p>
+                      <a:pPr algn="ctr"/>
+                      <a:endParaRPr lang="en-US" dirty="0">
+                        <a:highlight>
+                          <a:srgbClr val="FFFF00"/>
+                        </a:highlight>
+                      </a:endParaRPr>
+                    </a:p>
+                  </a:txBody>
+                  <a:tcPr/>
+                </a:tc>
+                <a:tc>
+                  <a:txBody>
+                    <a:bodyPr/>
+                    <a:lstStyle/>
+                    <a:p>
+                      <a:pPr algn="ctr"/>
+                      <a:r>
+                        <a:rPr lang="en-US" dirty="0">
+                          <a:highlight>
+                            <a:srgbClr val="FFFF00"/>
+                          </a:highlight>
+                        </a:rPr>
+                        <a:t>~120min</a:t>
+                      </a:r>
+                    </a:p>
+                  </a:txBody>
+                  <a:tcPr/>
+                </a:tc>
+                <a:extLst>
+                  <a:ext uri="{0D108BD9-81ED-4DB2-BD59-A6C34878D82A}">
+                    <a16:rowId xmlns:a16="http://schemas.microsoft.com/office/drawing/2014/main" val="3378729373"/>
+                  </a:ext>
+                </a:extLst>
+              </a:tr>
+            </a:tbl>
+          </a:graphicData>
+        </a:graphic>
+      </p:graphicFrame>
+      <p:graphicFrame>
+        <p:nvGraphicFramePr>
+          <p:cNvPr id="5" name="Table 4">
+            <a:extLst>
+              <a:ext uri="{FF2B5EF4-FFF2-40B4-BE49-F238E27FC236}">
+                <a16:creationId xmlns:a16="http://schemas.microsoft.com/office/drawing/2014/main" id="{E6631484-4AFE-9C82-7069-2B9DB4C19AA4}"/>
+              </a:ext>
+            </a:extLst>
+          </p:cNvPr>
+          <p:cNvGraphicFramePr>
+            <a:graphicFrameLocks/>
+          </p:cNvGraphicFramePr>
+          <p:nvPr>
+            <p:extLst>
+              <p:ext uri="{D42A27DB-BD31-4B8C-83A1-F6EECF244321}">
+                <p14:modId xmlns:p14="http://schemas.microsoft.com/office/powerpoint/2010/main" val="1876014856"/>
+              </p:ext>
+            </p:extLst>
+          </p:nvPr>
+        </p:nvGraphicFramePr>
+        <p:xfrm>
+          <a:off x="838199" y="1585816"/>
+          <a:ext cx="11082865" cy="1920240"/>
+        </p:xfrm>
+        <a:graphic>
+          <a:graphicData uri="http://schemas.openxmlformats.org/drawingml/2006/table">
+            <a:tbl>
+              <a:tblPr firstRow="1" bandRow="1">
+                <a:tableStyleId>{5C22544A-7EE6-4342-B048-85BDC9FD1C3A}</a:tableStyleId>
+              </a:tblPr>
+              <a:tblGrid>
+                <a:gridCol w="2216573">
+                  <a:extLst>
+                    <a:ext uri="{9D8B030D-6E8A-4147-A177-3AD203B41FA5}">
+                      <a16:colId xmlns:a16="http://schemas.microsoft.com/office/drawing/2014/main" val="3248201663"/>
+                    </a:ext>
+                  </a:extLst>
+                </a:gridCol>
+                <a:gridCol w="2216573">
+                  <a:extLst>
+                    <a:ext uri="{9D8B030D-6E8A-4147-A177-3AD203B41FA5}">
+                      <a16:colId xmlns:a16="http://schemas.microsoft.com/office/drawing/2014/main" val="1154658447"/>
+                    </a:ext>
+                  </a:extLst>
+                </a:gridCol>
+                <a:gridCol w="2216573">
+                  <a:extLst>
+                    <a:ext uri="{9D8B030D-6E8A-4147-A177-3AD203B41FA5}">
+                      <a16:colId xmlns:a16="http://schemas.microsoft.com/office/drawing/2014/main" val="2108062987"/>
+                    </a:ext>
+                  </a:extLst>
+                </a:gridCol>
+                <a:gridCol w="2216573">
+                  <a:extLst>
+                    <a:ext uri="{9D8B030D-6E8A-4147-A177-3AD203B41FA5}">
+                      <a16:colId xmlns:a16="http://schemas.microsoft.com/office/drawing/2014/main" val="2963620336"/>
+                    </a:ext>
+                  </a:extLst>
+                </a:gridCol>
+                <a:gridCol w="2216573">
+                  <a:extLst>
+                    <a:ext uri="{9D8B030D-6E8A-4147-A177-3AD203B41FA5}">
+                      <a16:colId xmlns:a16="http://schemas.microsoft.com/office/drawing/2014/main" val="3502630500"/>
+                    </a:ext>
+                  </a:extLst>
+                </a:gridCol>
+              </a:tblGrid>
+              <a:tr h="370840">
+                <a:tc>
+                  <a:txBody>
+                    <a:bodyPr/>
+                    <a:lstStyle/>
+                    <a:p>
+                      <a:pPr algn="ctr"/>
+                      <a:r>
+                        <a:rPr lang="en-US" dirty="0"/>
+                        <a:t>Dataset</a:t>
+                      </a:r>
+                    </a:p>
+                  </a:txBody>
+                  <a:tcPr/>
+                </a:tc>
+                <a:tc>
+                  <a:txBody>
+                    <a:bodyPr/>
+                    <a:lstStyle/>
+                    <a:p>
+                      <a:pPr algn="ctr"/>
+                      <a:r>
+                        <a:rPr lang="en-US" dirty="0"/>
+                        <a:t>Starting position</a:t>
+                      </a:r>
+                    </a:p>
+                  </a:txBody>
+                  <a:tcPr/>
+                </a:tc>
+                <a:tc>
+                  <a:txBody>
+                    <a:bodyPr/>
+                    <a:lstStyle/>
+                    <a:p>
+                      <a:pPr algn="ctr"/>
+                      <a:r>
+                        <a:rPr lang="en-US" dirty="0"/>
+                        <a:t>Model</a:t>
+                      </a:r>
+                    </a:p>
+                  </a:txBody>
+                  <a:tcPr/>
+                </a:tc>
+                <a:tc>
+                  <a:txBody>
+                    <a:bodyPr/>
+                    <a:lstStyle/>
+                    <a:p>
+                      <a:pPr algn="ctr"/>
+                      <a:r>
+                        <a:rPr lang="en-US" dirty="0"/>
+                        <a:t>Test performance (mean/median/std)</a:t>
+                      </a:r>
+                    </a:p>
+                  </a:txBody>
+                  <a:tcPr/>
+                </a:tc>
+                <a:tc>
+                  <a:txBody>
+                    <a:bodyPr/>
+                    <a:lstStyle/>
+                    <a:p>
+                      <a:pPr algn="ctr"/>
+                      <a:r>
+                        <a:rPr lang="en-US" dirty="0"/>
+                        <a:t>Running time /epoch</a:t>
+                      </a:r>
+                    </a:p>
+                  </a:txBody>
+                  <a:tcPr/>
+                </a:tc>
+                <a:extLst>
+                  <a:ext uri="{0D108BD9-81ED-4DB2-BD59-A6C34878D82A}">
+                    <a16:rowId xmlns:a16="http://schemas.microsoft.com/office/drawing/2014/main" val="1978911363"/>
+                  </a:ext>
+                </a:extLst>
+              </a:tr>
+              <a:tr h="370840">
+                <a:tc>
+                  <a:txBody>
+                    <a:bodyPr/>
+                    <a:lstStyle/>
+                    <a:p>
+                      <a:pPr marL="0" marR="0" lvl="0" indent="0" algn="ctr" defTabSz="914400" rtl="0" eaLnBrk="1" fontAlgn="auto" latinLnBrk="0" hangingPunct="1">
+                        <a:lnSpc>
+                          <a:spcPct val="100000"/>
+                        </a:lnSpc>
+                        <a:spcBef>
+                          <a:spcPts val="0"/>
+                        </a:spcBef>
+                        <a:spcAft>
+                          <a:spcPts val="0"/>
+                        </a:spcAft>
+                        <a:buClrTx/>
+                        <a:buSzTx/>
+                        <a:buFontTx/>
+                        <a:buNone/>
+                        <a:tabLst/>
+                        <a:defRPr/>
+                      </a:pPr>
+                      <a:r>
+                        <a:rPr lang="en-US" sz="1800" b="1" dirty="0"/>
+                        <a:t>Zn-ligand </a:t>
+                      </a:r>
+                    </a:p>
+                    <a:p>
+                      <a:pPr marL="0" marR="0" lvl="0" indent="0" algn="ctr" defTabSz="914400" rtl="0" eaLnBrk="1" fontAlgn="auto" latinLnBrk="0" hangingPunct="1">
+                        <a:lnSpc>
+                          <a:spcPct val="100000"/>
+                        </a:lnSpc>
+                        <a:spcBef>
+                          <a:spcPts val="0"/>
+                        </a:spcBef>
+                        <a:spcAft>
+                          <a:spcPts val="0"/>
+                        </a:spcAft>
+                        <a:buClrTx/>
+                        <a:buSzTx/>
+                        <a:buFontTx/>
+                        <a:buNone/>
+                        <a:tabLst/>
+                        <a:defRPr/>
+                      </a:pPr>
+                      <a:r>
+                        <a:rPr lang="en-US" sz="1800" b="1" dirty="0"/>
+                        <a:t>(9k+)</a:t>
+                      </a:r>
+                    </a:p>
+                  </a:txBody>
+                  <a:tcPr/>
+                </a:tc>
+                <a:tc>
+                  <a:txBody>
+                    <a:bodyPr/>
+                    <a:lstStyle/>
+                    <a:p>
+                      <a:pPr algn="ctr"/>
+                      <a:r>
+                        <a:rPr lang="en-US" dirty="0"/>
+                        <a:t>+</a:t>
+                      </a:r>
+                    </a:p>
+                  </a:txBody>
+                  <a:tcPr/>
+                </a:tc>
+                <a:tc>
+                  <a:txBody>
+                    <a:bodyPr/>
+                    <a:lstStyle/>
+                    <a:p>
+                      <a:pPr marL="0" marR="0" lvl="0" indent="0" algn="ctr" defTabSz="914400" rtl="0" eaLnBrk="1" fontAlgn="auto" latinLnBrk="0" hangingPunct="1">
+                        <a:lnSpc>
+                          <a:spcPct val="100000"/>
+                        </a:lnSpc>
+                        <a:spcBef>
+                          <a:spcPts val="0"/>
+                        </a:spcBef>
+                        <a:spcAft>
+                          <a:spcPts val="0"/>
+                        </a:spcAft>
+                        <a:buClrTx/>
+                        <a:buSzTx/>
+                        <a:buFontTx/>
+                        <a:buNone/>
+                        <a:tabLst/>
+                        <a:defRPr/>
+                      </a:pPr>
+                      <a:r>
+                        <a:rPr lang="en-US" dirty="0"/>
+                        <a:t>Simple </a:t>
+                      </a:r>
+                    </a:p>
+                    <a:p>
+                      <a:pPr marL="0" marR="0" lvl="0" indent="0" algn="ctr" defTabSz="914400" rtl="0" eaLnBrk="1" fontAlgn="auto" latinLnBrk="0" hangingPunct="1">
+                        <a:lnSpc>
+                          <a:spcPct val="100000"/>
+                        </a:lnSpc>
+                        <a:spcBef>
+                          <a:spcPts val="0"/>
+                        </a:spcBef>
+                        <a:spcAft>
+                          <a:spcPts val="0"/>
+                        </a:spcAft>
+                        <a:buClrTx/>
+                        <a:buSzTx/>
+                        <a:buFontTx/>
+                        <a:buNone/>
+                        <a:tabLst/>
+                        <a:defRPr/>
+                      </a:pPr>
+                      <a:r>
+                        <a:rPr lang="en-US" dirty="0"/>
+                        <a:t>(</a:t>
+                      </a:r>
+                      <a:r>
+                        <a:rPr lang="en-US" sz="1800" kern="1200" dirty="0">
+                          <a:solidFill>
+                            <a:schemeClr val="dk1"/>
+                          </a:solidFill>
+                          <a:effectLst/>
+                          <a:latin typeface="+mn-lt"/>
+                          <a:ea typeface="+mn-ea"/>
+                          <a:cs typeface="+mn-cs"/>
+                        </a:rPr>
+                        <a:t>0.004 M</a:t>
+                      </a:r>
+                      <a:r>
+                        <a:rPr lang="en-US" dirty="0"/>
+                        <a:t>)</a:t>
+                      </a:r>
+                    </a:p>
+                  </a:txBody>
+                  <a:tcPr/>
+                </a:tc>
+                <a:tc>
+                  <a:txBody>
+                    <a:bodyPr/>
+                    <a:lstStyle/>
+                    <a:p>
+                      <a:pPr algn="ctr"/>
+                      <a:r>
+                        <a:rPr lang="en-US" dirty="0"/>
+                        <a:t>1.9/1.1/1.8</a:t>
+                      </a:r>
+                    </a:p>
+                  </a:txBody>
+                  <a:tcPr/>
+                </a:tc>
+                <a:tc>
+                  <a:txBody>
+                    <a:bodyPr/>
+                    <a:lstStyle/>
+                    <a:p>
+                      <a:pPr algn="ctr"/>
+                      <a:r>
+                        <a:rPr lang="en-US" dirty="0"/>
+                        <a:t>~3min</a:t>
+                      </a:r>
+                    </a:p>
+                  </a:txBody>
+                  <a:tcPr/>
+                </a:tc>
+                <a:extLst>
+                  <a:ext uri="{0D108BD9-81ED-4DB2-BD59-A6C34878D82A}">
+                    <a16:rowId xmlns:a16="http://schemas.microsoft.com/office/drawing/2014/main" val="2947847553"/>
+                  </a:ext>
+                </a:extLst>
+              </a:tr>
+              <a:tr h="370840">
+                <a:tc>
+                  <a:txBody>
+                    <a:bodyPr/>
+                    <a:lstStyle/>
+                    <a:p>
+                      <a:pPr marL="0" marR="0" lvl="0" indent="0" algn="ctr" defTabSz="914400" rtl="0" eaLnBrk="1" fontAlgn="auto" latinLnBrk="0" hangingPunct="1">
+                        <a:lnSpc>
+                          <a:spcPct val="100000"/>
+                        </a:lnSpc>
+                        <a:spcBef>
+                          <a:spcPts val="0"/>
+                        </a:spcBef>
+                        <a:spcAft>
+                          <a:spcPts val="0"/>
+                        </a:spcAft>
+                        <a:buClrTx/>
+                        <a:buSzTx/>
+                        <a:buFontTx/>
+                        <a:buNone/>
+                        <a:tabLst/>
+                        <a:defRPr/>
+                      </a:pPr>
+                      <a:r>
+                        <a:rPr lang="en-US" sz="1800" b="1" dirty="0"/>
+                        <a:t>Cu-ligand </a:t>
+                      </a:r>
+                    </a:p>
+                    <a:p>
+                      <a:pPr marL="0" marR="0" lvl="0" indent="0" algn="ctr" defTabSz="914400" rtl="0" eaLnBrk="1" fontAlgn="auto" latinLnBrk="0" hangingPunct="1">
+                        <a:lnSpc>
+                          <a:spcPct val="100000"/>
+                        </a:lnSpc>
+                        <a:spcBef>
+                          <a:spcPts val="0"/>
+                        </a:spcBef>
+                        <a:spcAft>
+                          <a:spcPts val="0"/>
+                        </a:spcAft>
+                        <a:buClrTx/>
+                        <a:buSzTx/>
+                        <a:buFontTx/>
+                        <a:buNone/>
+                        <a:tabLst/>
+                        <a:defRPr/>
+                      </a:pPr>
+                      <a:r>
+                        <a:rPr lang="en-US" sz="1800" b="1" dirty="0"/>
+                        <a:t>(100+, </a:t>
+                      </a:r>
+                      <a:r>
+                        <a:rPr lang="en-US" sz="1800" b="1" dirty="0" err="1"/>
+                        <a:t>aug</a:t>
+                      </a:r>
+                      <a:r>
+                        <a:rPr lang="en-US" sz="1800" b="1" dirty="0"/>
+                        <a:t> 50k)</a:t>
+                      </a:r>
+                    </a:p>
+                  </a:txBody>
+                  <a:tcPr/>
+                </a:tc>
+                <a:tc>
+                  <a:txBody>
+                    <a:bodyPr/>
+                    <a:lstStyle/>
+                    <a:p>
+                      <a:pPr algn="ctr"/>
+                      <a:r>
+                        <a:rPr lang="en-US" dirty="0"/>
+                        <a:t>+</a:t>
+                      </a:r>
+                    </a:p>
+                  </a:txBody>
+                  <a:tcPr/>
+                </a:tc>
+                <a:tc>
+                  <a:txBody>
+                    <a:bodyPr/>
+                    <a:lstStyle/>
+                    <a:p>
+                      <a:pPr algn="ctr"/>
+                      <a:r>
+                        <a:rPr lang="en-US" dirty="0"/>
+                        <a:t>Pix2pix</a:t>
+                      </a:r>
+                    </a:p>
+                    <a:p>
+                      <a:pPr algn="ctr"/>
+                      <a:r>
+                        <a:rPr lang="en-US" dirty="0"/>
+                        <a:t>(</a:t>
+                      </a:r>
+                      <a:r>
+                        <a:rPr lang="en-US" altLang="zh-CN" dirty="0"/>
+                        <a:t>#G:</a:t>
+                      </a:r>
+                      <a:r>
+                        <a:rPr lang="en-US" dirty="0"/>
+                        <a:t>268M </a:t>
+                      </a:r>
+                      <a:r>
+                        <a:rPr lang="en-US" sz="1800" kern="1200" dirty="0">
+                          <a:solidFill>
+                            <a:schemeClr val="dk1"/>
+                          </a:solidFill>
+                          <a:effectLst/>
+                          <a:latin typeface="+mn-lt"/>
+                          <a:ea typeface="+mn-ea"/>
+                          <a:cs typeface="+mn-cs"/>
+                        </a:rPr>
+                        <a:t>+ #D</a:t>
+                      </a:r>
+                      <a:r>
+                        <a:rPr lang="en-US" dirty="0"/>
+                        <a:t>)</a:t>
+                      </a:r>
+                    </a:p>
+                  </a:txBody>
+                  <a:tcPr/>
+                </a:tc>
+                <a:tc>
+                  <a:txBody>
+                    <a:bodyPr/>
+                    <a:lstStyle/>
+                    <a:p>
+                      <a:pPr algn="ctr"/>
+                      <a:r>
+                        <a:rPr lang="en-US" dirty="0"/>
+                        <a:t>1.2/1/0.97</a:t>
+                      </a:r>
+                    </a:p>
+                  </a:txBody>
+                  <a:tcPr/>
+                </a:tc>
+                <a:tc>
+                  <a:txBody>
+                    <a:bodyPr/>
+                    <a:lstStyle/>
+                    <a:p>
+                      <a:pPr algn="ctr"/>
+                      <a:r>
+                        <a:rPr lang="en-US" dirty="0"/>
+                        <a:t>~8+min</a:t>
+                      </a:r>
+                    </a:p>
+                    <a:p>
+                      <a:pPr algn="ctr"/>
+                      <a:r>
+                        <a:rPr lang="en-US" dirty="0"/>
+                        <a:t>(Cu-ligand)</a:t>
+                      </a:r>
+                    </a:p>
+                  </a:txBody>
+                  <a:tcPr/>
+                </a:tc>
+                <a:extLst>
+                  <a:ext uri="{0D108BD9-81ED-4DB2-BD59-A6C34878D82A}">
+                    <a16:rowId xmlns:a16="http://schemas.microsoft.com/office/drawing/2014/main" val="1103049740"/>
+                  </a:ext>
+                </a:extLst>
+              </a:tr>
+            </a:tbl>
+          </a:graphicData>
+        </a:graphic>
+      </p:graphicFrame>
+      <p:sp>
+        <p:nvSpPr>
+          <p:cNvPr id="6" name="TextBox 5">
+            <a:extLst>
+              <a:ext uri="{FF2B5EF4-FFF2-40B4-BE49-F238E27FC236}">
+                <a16:creationId xmlns:a16="http://schemas.microsoft.com/office/drawing/2014/main" id="{B1D6FFD0-AF44-470A-E487-75DB22A50D89}"/>
+              </a:ext>
+            </a:extLst>
+          </p:cNvPr>
+          <p:cNvSpPr txBox="1"/>
+          <p:nvPr/>
+        </p:nvSpPr>
+        <p:spPr>
+          <a:xfrm>
+            <a:off x="838199" y="3770515"/>
+            <a:ext cx="3180999" cy="400110"/>
+          </a:xfrm>
+          <a:prstGeom prst="rect">
+            <a:avLst/>
+          </a:prstGeom>
+          <a:noFill/>
+        </p:spPr>
+        <p:txBody>
+          <a:bodyPr wrap="none" rtlCol="0">
+            <a:spAutoFit/>
+          </a:bodyPr>
+          <a:lstStyle/>
+          <a:p>
+            <a:r>
+              <a:rPr lang="en-US" sz="2000" b="1" dirty="0"/>
+              <a:t>Ligands with positive charge</a:t>
+            </a:r>
+          </a:p>
+        </p:txBody>
+      </p:sp>
+    </p:spTree>
+    <p:extLst>
+      <p:ext uri="{BB962C8B-B14F-4D97-AF65-F5344CB8AC3E}">
+        <p14:creationId xmlns:p14="http://schemas.microsoft.com/office/powerpoint/2010/main" val="251189750"/>
+      </p:ext>
+    </p:extLst>
+  </p:cSld>
+  <p:clrMapOvr>
+    <a:masterClrMapping/>
+  </p:clrMapOvr>
+</p:sld>
+</file>
+
+<file path=ppt/slides/slide7.xml><?xml version="1.0" encoding="utf-8"?>
+<p:sld xmlns:a="http://schemas.openxmlformats.org/drawingml/2006/main" xmlns:r="http://schemas.openxmlformats.org/officeDocument/2006/relationships" xmlns:p="http://schemas.openxmlformats.org/presentationml/2006/main">
+  <p:cSld>
+    <p:spTree>
+      <p:nvGrpSpPr>
+        <p:cNvPr id="1" name=""/>
+        <p:cNvGrpSpPr/>
+        <p:nvPr/>
+      </p:nvGrpSpPr>
+      <p:grpSpPr>
+        <a:xfrm>
+          <a:off x="0" y="0"/>
+          <a:ext cx="0" cy="0"/>
+          <a:chOff x="0" y="0"/>
+          <a:chExt cx="0" cy="0"/>
+        </a:xfrm>
+      </p:grpSpPr>
+      <p:sp>
+        <p:nvSpPr>
+          <p:cNvPr id="2" name="Title 1">
+            <a:extLst>
+              <a:ext uri="{FF2B5EF4-FFF2-40B4-BE49-F238E27FC236}">
+                <a16:creationId xmlns:a16="http://schemas.microsoft.com/office/drawing/2014/main" id="{8C0F6536-3296-9F58-6A4A-44022A7EDA80}"/>
+              </a:ext>
+            </a:extLst>
+          </p:cNvPr>
+          <p:cNvSpPr>
+            <a:spLocks noGrp="1"/>
+          </p:cNvSpPr>
+          <p:nvPr>
+            <p:ph type="title"/>
+          </p:nvPr>
+        </p:nvSpPr>
+        <p:spPr/>
+        <p:txBody>
+          <a:bodyPr/>
+          <a:lstStyle/>
+          <a:p>
+            <a:r>
+              <a:rPr lang="en-US" dirty="0"/>
+              <a:t>0617 Prob and To-do</a:t>
+            </a:r>
+          </a:p>
+        </p:txBody>
+      </p:sp>
+      <p:pic>
+        <p:nvPicPr>
+          <p:cNvPr id="5" name="Content Placeholder 4" descr="Shape&#10;&#10;Description automatically generated">
+            <a:extLst>
+              <a:ext uri="{FF2B5EF4-FFF2-40B4-BE49-F238E27FC236}">
+                <a16:creationId xmlns:a16="http://schemas.microsoft.com/office/drawing/2014/main" id="{82376BC2-F949-01A6-7A94-5EAB6525545C}"/>
+              </a:ext>
+            </a:extLst>
+          </p:cNvPr>
+          <p:cNvPicPr>
+            <a:picLocks noGrp="1" noChangeAspect="1"/>
+          </p:cNvPicPr>
+          <p:nvPr>
+            <p:ph idx="1"/>
+          </p:nvPr>
+        </p:nvPicPr>
+        <p:blipFill>
+          <a:blip r:embed="rId2"/>
+          <a:stretch>
+            <a:fillRect/>
+          </a:stretch>
+        </p:blipFill>
+        <p:spPr>
+          <a:xfrm>
+            <a:off x="6536596" y="1661939"/>
+            <a:ext cx="2516491" cy="2020541"/>
+          </a:xfrm>
+        </p:spPr>
+      </p:pic>
+      <p:sp>
+        <p:nvSpPr>
+          <p:cNvPr id="8" name="Content Placeholder 2">
+            <a:extLst>
+              <a:ext uri="{FF2B5EF4-FFF2-40B4-BE49-F238E27FC236}">
+                <a16:creationId xmlns:a16="http://schemas.microsoft.com/office/drawing/2014/main" id="{B130B4F6-0C0B-305C-B001-28769D8F1A17}"/>
+              </a:ext>
+            </a:extLst>
+          </p:cNvPr>
+          <p:cNvSpPr txBox="1">
+            <a:spLocks/>
+          </p:cNvSpPr>
+          <p:nvPr/>
+        </p:nvSpPr>
+        <p:spPr>
+          <a:xfrm>
+            <a:off x="838200" y="1717488"/>
+            <a:ext cx="5257800" cy="5044556"/>
+          </a:xfrm>
+          <a:prstGeom prst="rect">
+            <a:avLst/>
+          </a:prstGeom>
+        </p:spPr>
+        <p:txBody>
+          <a:bodyPr vert="horz" lIns="91440" tIns="45720" rIns="91440" bIns="45720" rtlCol="0">
+            <a:normAutofit/>
+          </a:bodyPr>
+          <a:lstStyle>
+            <a:lvl1pPr marL="228600" indent="-228600" algn="l" defTabSz="914400" rtl="0" eaLnBrk="1" latinLnBrk="0" hangingPunct="1">
+              <a:lnSpc>
+                <a:spcPct val="90000"/>
+              </a:lnSpc>
+              <a:spcBef>
+                <a:spcPts val="1000"/>
+              </a:spcBef>
+              <a:buFont typeface="Arial" panose="020B0604020202020204" pitchFamily="34" charset="0"/>
+              <a:buChar char="•"/>
+              <a:defRPr sz="2800" kern="1200">
+                <a:solidFill>
+                  <a:schemeClr val="tx1"/>
+                </a:solidFill>
+                <a:latin typeface="+mn-lt"/>
+                <a:ea typeface="+mn-ea"/>
+                <a:cs typeface="+mn-cs"/>
+              </a:defRPr>
+            </a:lvl1pPr>
+            <a:lvl2pPr marL="685800" indent="-228600" algn="l" defTabSz="914400" rtl="0" eaLnBrk="1" latinLnBrk="0" hangingPunct="1">
+              <a:lnSpc>
+                <a:spcPct val="90000"/>
+              </a:lnSpc>
+              <a:spcBef>
+                <a:spcPts val="500"/>
+              </a:spcBef>
+              <a:buFont typeface="Arial" panose="020B0604020202020204" pitchFamily="34" charset="0"/>
+              <a:buChar char="•"/>
+              <a:defRPr sz="2400" kern="1200">
+                <a:solidFill>
+                  <a:schemeClr val="tx1"/>
+                </a:solidFill>
+                <a:latin typeface="+mn-lt"/>
+                <a:ea typeface="+mn-ea"/>
+                <a:cs typeface="+mn-cs"/>
+              </a:defRPr>
+            </a:lvl2pPr>
+            <a:lvl3pPr marL="1143000" indent="-228600" algn="l" defTabSz="914400" rtl="0" eaLnBrk="1" latinLnBrk="0" hangingPunct="1">
+              <a:lnSpc>
+                <a:spcPct val="90000"/>
+              </a:lnSpc>
+              <a:spcBef>
+                <a:spcPts val="500"/>
+              </a:spcBef>
+              <a:buFont typeface="Arial" panose="020B0604020202020204" pitchFamily="34" charset="0"/>
+              <a:buChar char="•"/>
+              <a:defRPr sz="2000" kern="1200">
+                <a:solidFill>
+                  <a:schemeClr val="tx1"/>
+                </a:solidFill>
+                <a:latin typeface="+mn-lt"/>
+                <a:ea typeface="+mn-ea"/>
+                <a:cs typeface="+mn-cs"/>
+              </a:defRPr>
+            </a:lvl3pPr>
+            <a:lvl4pPr marL="1600200" indent="-228600" algn="l" defTabSz="914400" rtl="0" eaLnBrk="1" latinLnBrk="0" hangingPunct="1">
+              <a:lnSpc>
+                <a:spcPct val="90000"/>
+              </a:lnSpc>
+              <a:spcBef>
+                <a:spcPts val="500"/>
+              </a:spcBef>
+              <a:buFont typeface="Arial" panose="020B0604020202020204" pitchFamily="34" charset="0"/>
+              <a:buChar char="•"/>
+              <a:defRPr sz="1800" kern="1200">
+                <a:solidFill>
+                  <a:schemeClr val="tx1"/>
+                </a:solidFill>
+                <a:latin typeface="+mn-lt"/>
+                <a:ea typeface="+mn-ea"/>
+                <a:cs typeface="+mn-cs"/>
+              </a:defRPr>
+            </a:lvl4pPr>
+            <a:lvl5pPr marL="2057400" indent="-228600" algn="l" defTabSz="914400" rtl="0" eaLnBrk="1" latinLnBrk="0" hangingPunct="1">
+              <a:lnSpc>
+                <a:spcPct val="90000"/>
+              </a:lnSpc>
+              <a:spcBef>
+                <a:spcPts val="500"/>
+              </a:spcBef>
+              <a:buFont typeface="Arial" panose="020B0604020202020204" pitchFamily="34" charset="0"/>
+              <a:buChar char="•"/>
+              <a:defRPr sz="1800" kern="1200">
+                <a:solidFill>
+                  <a:schemeClr val="tx1"/>
+                </a:solidFill>
+                <a:latin typeface="+mn-lt"/>
+                <a:ea typeface="+mn-ea"/>
+                <a:cs typeface="+mn-cs"/>
+              </a:defRPr>
+            </a:lvl5pPr>
+            <a:lvl6pPr marL="2514600" indent="-228600" algn="l" defTabSz="914400" rtl="0" eaLnBrk="1" latinLnBrk="0" hangingPunct="1">
+              <a:lnSpc>
+                <a:spcPct val="90000"/>
+              </a:lnSpc>
+              <a:spcBef>
+                <a:spcPts val="500"/>
+              </a:spcBef>
+              <a:buFont typeface="Arial" panose="020B0604020202020204" pitchFamily="34" charset="0"/>
+              <a:buChar char="•"/>
+              <a:defRPr sz="1800" kern="1200">
+                <a:solidFill>
+                  <a:schemeClr val="tx1"/>
+                </a:solidFill>
+                <a:latin typeface="+mn-lt"/>
+                <a:ea typeface="+mn-ea"/>
+                <a:cs typeface="+mn-cs"/>
+              </a:defRPr>
+            </a:lvl6pPr>
+            <a:lvl7pPr marL="2971800" indent="-228600" algn="l" defTabSz="914400" rtl="0" eaLnBrk="1" latinLnBrk="0" hangingPunct="1">
+              <a:lnSpc>
+                <a:spcPct val="90000"/>
+              </a:lnSpc>
+              <a:spcBef>
+                <a:spcPts val="500"/>
+              </a:spcBef>
+              <a:buFont typeface="Arial" panose="020B0604020202020204" pitchFamily="34" charset="0"/>
+              <a:buChar char="•"/>
+              <a:defRPr sz="1800" kern="1200">
+                <a:solidFill>
+                  <a:schemeClr val="tx1"/>
+                </a:solidFill>
+                <a:latin typeface="+mn-lt"/>
+                <a:ea typeface="+mn-ea"/>
+                <a:cs typeface="+mn-cs"/>
+              </a:defRPr>
+            </a:lvl7pPr>
+            <a:lvl8pPr marL="3429000" indent="-228600" algn="l" defTabSz="914400" rtl="0" eaLnBrk="1" latinLnBrk="0" hangingPunct="1">
+              <a:lnSpc>
+                <a:spcPct val="90000"/>
+              </a:lnSpc>
+              <a:spcBef>
+                <a:spcPts val="500"/>
+              </a:spcBef>
+              <a:buFont typeface="Arial" panose="020B0604020202020204" pitchFamily="34" charset="0"/>
+              <a:buChar char="•"/>
+              <a:defRPr sz="1800" kern="1200">
+                <a:solidFill>
+                  <a:schemeClr val="tx1"/>
+                </a:solidFill>
+                <a:latin typeface="+mn-lt"/>
+                <a:ea typeface="+mn-ea"/>
+                <a:cs typeface="+mn-cs"/>
+              </a:defRPr>
+            </a:lvl8pPr>
+            <a:lvl9pPr marL="3886200" indent="-228600" algn="l" defTabSz="914400" rtl="0" eaLnBrk="1" latinLnBrk="0" hangingPunct="1">
+              <a:lnSpc>
+                <a:spcPct val="90000"/>
+              </a:lnSpc>
+              <a:spcBef>
+                <a:spcPts val="500"/>
+              </a:spcBef>
+              <a:buFont typeface="Arial" panose="020B0604020202020204" pitchFamily="34" charset="0"/>
+              <a:buChar char="•"/>
+              <a:defRPr sz="1800" kern="1200">
+                <a:solidFill>
+                  <a:schemeClr val="tx1"/>
+                </a:solidFill>
+                <a:latin typeface="+mn-lt"/>
+                <a:ea typeface="+mn-ea"/>
+                <a:cs typeface="+mn-cs"/>
+              </a:defRPr>
+            </a:lvl9pPr>
+          </a:lstStyle>
+          <a:p>
+            <a:r>
+              <a:rPr lang="en-US" dirty="0"/>
+              <a:t>Main issue: training time</a:t>
+            </a:r>
+          </a:p>
+          <a:p>
+            <a:pPr lvl="1"/>
+            <a:r>
+              <a:rPr lang="en-US" dirty="0"/>
+              <a:t>Data</a:t>
+            </a:r>
+          </a:p>
+          <a:p>
+            <a:pPr lvl="2"/>
+            <a:r>
+              <a:rPr lang="en-US" strike="sngStrike" dirty="0"/>
+              <a:t>If exploring potential initial positions is needed? </a:t>
+            </a:r>
+          </a:p>
+          <a:p>
+            <a:pPr lvl="1"/>
+            <a:r>
+              <a:rPr lang="en-US" dirty="0"/>
+              <a:t>Model</a:t>
+            </a:r>
+          </a:p>
+          <a:p>
+            <a:pPr lvl="2"/>
+            <a:r>
+              <a:rPr lang="en-US" strike="sngStrike" dirty="0"/>
+              <a:t>Analyze</a:t>
+            </a:r>
+            <a:r>
+              <a:rPr lang="zh-CN" altLang="en-US" strike="sngStrike" dirty="0"/>
+              <a:t> </a:t>
+            </a:r>
+            <a:r>
+              <a:rPr lang="en-US" altLang="zh-CN" strike="sngStrike" dirty="0"/>
+              <a:t>memory usage</a:t>
+            </a:r>
+          </a:p>
+          <a:p>
+            <a:pPr lvl="2"/>
+            <a:r>
+              <a:rPr lang="en-US" altLang="zh-CN" strike="sngStrike" dirty="0"/>
+              <a:t>Choose a suitable b</a:t>
+            </a:r>
+            <a:r>
+              <a:rPr lang="en-US" strike="sngStrike" dirty="0"/>
+              <a:t>atch size?</a:t>
+            </a:r>
+          </a:p>
+          <a:p>
+            <a:pPr lvl="2"/>
+            <a:r>
+              <a:rPr lang="en-US" strike="sngStrike" dirty="0" err="1"/>
+              <a:t>OSError</a:t>
+            </a:r>
+            <a:r>
+              <a:rPr lang="en-US" strike="sngStrike" dirty="0"/>
+              <a:t> No space left on device</a:t>
+            </a:r>
+          </a:p>
+          <a:p>
+            <a:r>
+              <a:rPr lang="en-US" dirty="0"/>
+              <a:t>To-do</a:t>
+            </a:r>
+          </a:p>
+          <a:p>
+            <a:pPr lvl="1"/>
+            <a:r>
+              <a:rPr lang="en-US" sz="2000" strike="sngStrike" dirty="0"/>
+              <a:t>Generate</a:t>
+            </a:r>
+            <a:r>
+              <a:rPr lang="zh-CN" altLang="en-US" sz="2000" strike="sngStrike" dirty="0"/>
+              <a:t> </a:t>
+            </a:r>
+            <a:r>
+              <a:rPr lang="en-US" altLang="zh-CN" sz="2000" strike="sngStrike" dirty="0"/>
+              <a:t>and</a:t>
+            </a:r>
+            <a:r>
+              <a:rPr lang="zh-CN" altLang="en-US" sz="2000" strike="sngStrike" dirty="0"/>
+              <a:t> </a:t>
+            </a:r>
+            <a:r>
+              <a:rPr lang="en-US" altLang="zh-CN" sz="2000" strike="sngStrike" dirty="0"/>
+              <a:t>save</a:t>
+            </a:r>
+            <a:endParaRPr lang="en-US" sz="2000" strike="sngStrike" dirty="0"/>
+          </a:p>
+          <a:p>
+            <a:pPr lvl="1"/>
+            <a:r>
+              <a:rPr lang="en-US" sz="2000" dirty="0"/>
+              <a:t>Fix model training issues</a:t>
+            </a:r>
+          </a:p>
+          <a:p>
+            <a:pPr lvl="1"/>
+            <a:r>
+              <a:rPr lang="en-US" sz="2000" dirty="0"/>
+              <a:t>Fill out blanks in tables</a:t>
+            </a:r>
+          </a:p>
+          <a:p>
+            <a:pPr lvl="1"/>
+            <a:r>
+              <a:rPr lang="en-US" sz="2000" dirty="0"/>
+              <a:t>Explore more model architectures</a:t>
+            </a:r>
+          </a:p>
+          <a:p>
+            <a:endParaRPr lang="en-US" dirty="0"/>
+          </a:p>
+          <a:p>
+            <a:endParaRPr lang="en-US" dirty="0"/>
+          </a:p>
+        </p:txBody>
+      </p:sp>
+      <p:pic>
+        <p:nvPicPr>
+          <p:cNvPr id="1026" name="Picture 2" descr="Mike Heavers | Pix 2 Pix Tensorflow Images with ImageMagick">
+            <a:extLst>
+              <a:ext uri="{FF2B5EF4-FFF2-40B4-BE49-F238E27FC236}">
+                <a16:creationId xmlns:a16="http://schemas.microsoft.com/office/drawing/2014/main" id="{3076E554-8758-167F-D02C-B191B3E53988}"/>
+              </a:ext>
+            </a:extLst>
+          </p:cNvPr>
+          <p:cNvPicPr>
+            <a:picLocks noChangeAspect="1" noChangeArrowheads="1"/>
+          </p:cNvPicPr>
+          <p:nvPr/>
+        </p:nvPicPr>
+        <p:blipFill>
+          <a:blip r:embed="rId3">
+            <a:extLst>
+              <a:ext uri="{28A0092B-C50C-407E-A947-70E740481C1C}">
+                <a14:useLocalDpi xmlns:a14="http://schemas.microsoft.com/office/drawing/2010/main" val="0"/>
+              </a:ext>
+            </a:extLst>
+          </a:blip>
+          <a:srcRect/>
+          <a:stretch>
+            <a:fillRect/>
+          </a:stretch>
+        </p:blipFill>
+        <p:spPr bwMode="auto">
+          <a:xfrm>
+            <a:off x="6536596" y="4021317"/>
+            <a:ext cx="4131732" cy="2094379"/>
+          </a:xfrm>
+          <a:prstGeom prst="rect">
+            <a:avLst/>
+          </a:prstGeom>
+          <a:noFill/>
+          <a:extLst>
+            <a:ext uri="{909E8E84-426E-40DD-AFC4-6F175D3DCCD1}">
+              <a14:hiddenFill xmlns:a14="http://schemas.microsoft.com/office/drawing/2010/main">
+                <a:solidFill>
+                  <a:srgbClr val="FFFFFF"/>
+                </a:solidFill>
+              </a14:hiddenFill>
+            </a:ext>
+          </a:extLst>
+        </p:spPr>
+      </p:pic>
+    </p:spTree>
+    <p:extLst>
+      <p:ext uri="{BB962C8B-B14F-4D97-AF65-F5344CB8AC3E}">
+        <p14:creationId xmlns:p14="http://schemas.microsoft.com/office/powerpoint/2010/main" val="581794523"/>
       </p:ext>
     </p:extLst>
   </p:cSld>
